--- a/week3/3.4/DSCI6001-FinalProject-CPM.pptx
+++ b/week3/3.4/DSCI6001-FinalProject-CPM.pptx
@@ -5,7 +5,7 @@
     <p:sldMasterId id="2147483648" r:id="rId1"/>
   </p:sldMasterIdLst>
   <p:notesMasterIdLst>
-    <p:notesMasterId r:id="rId12"/>
+    <p:notesMasterId r:id="rId16"/>
   </p:notesMasterIdLst>
   <p:sldIdLst>
     <p:sldId id="256" r:id="rId2"/>
@@ -18,6 +18,10 @@
     <p:sldId id="263" r:id="rId9"/>
     <p:sldId id="264" r:id="rId10"/>
     <p:sldId id="265" r:id="rId11"/>
+    <p:sldId id="266" r:id="rId12"/>
+    <p:sldId id="267" r:id="rId13"/>
+    <p:sldId id="268" r:id="rId14"/>
+    <p:sldId id="269" r:id="rId15"/>
   </p:sldIdLst>
   <p:sldSz cx="12192000" cy="6858000"/>
   <p:notesSz cx="6858000" cy="9144000"/>
@@ -116,6 +120,11 @@
       </a:defRPr>
     </a:lvl9pPr>
   </p:defaultTextStyle>
+  <p:extLst>
+    <p:ext uri="{EFAFB233-063F-42B5-8137-9DF3F51BA10A}">
+      <p15:sldGuideLst xmlns:p15="http://schemas.microsoft.com/office/powerpoint/2012/main"/>
+    </p:ext>
+  </p:extLst>
 </p:presentation>
 </file>
 
@@ -201,7 +210,7 @@
           <a:p>
             <a:fld id="{6C06F265-A214-C04F-B766-527ECBED6D1F}" type="datetimeFigureOut">
               <a:rPr lang="en-US" smtClean="0"/>
-              <a:t>10/13/16</a:t>
+              <a:t>10/15/16</a:t>
             </a:fld>
             <a:endParaRPr lang="en-US"/>
           </a:p>
@@ -603,7 +612,7 @@
           <a:noFill/>
           <a:extLst>
             <a:ext uri="{909E8E84-426E-40dd-AFC4-6F175D3DCCD1}">
-              <a14:hiddenFill xmlns:a14="http://schemas.microsoft.com/office/drawing/2010/main" xmlns="">
+              <a14:hiddenFill xmlns="" xmlns:a14="http://schemas.microsoft.com/office/drawing/2010/main">
                 <a:solidFill>
                   <a:srgbClr val="FFFFFF"/>
                 </a:solidFill>
@@ -663,7 +672,7 @@
             </a:ln>
             <a:extLst>
               <a:ext uri="{91240B29-F687-4f45-9708-019B960494DF}">
-                <a14:hiddenLine xmlns:a14="http://schemas.microsoft.com/office/drawing/2010/main" xmlns="" w="9525">
+                <a14:hiddenLine xmlns="" xmlns:a14="http://schemas.microsoft.com/office/drawing/2010/main" w="9525">
                   <a:solidFill>
                     <a:srgbClr val="000000"/>
                   </a:solidFill>
@@ -753,7 +762,7 @@
             </a:ln>
             <a:extLst>
               <a:ext uri="{91240B29-F687-4f45-9708-019B960494DF}">
-                <a14:hiddenLine xmlns:a14="http://schemas.microsoft.com/office/drawing/2010/main" xmlns="" w="9525">
+                <a14:hiddenLine xmlns="" xmlns:a14="http://schemas.microsoft.com/office/drawing/2010/main" w="9525">
                   <a:solidFill>
                     <a:srgbClr val="000000"/>
                   </a:solidFill>
@@ -843,7 +852,7 @@
             </a:ln>
             <a:extLst>
               <a:ext uri="{91240B29-F687-4f45-9708-019B960494DF}">
-                <a14:hiddenLine xmlns:a14="http://schemas.microsoft.com/office/drawing/2010/main" xmlns="" w="9525">
+                <a14:hiddenLine xmlns="" xmlns:a14="http://schemas.microsoft.com/office/drawing/2010/main" w="9525">
                   <a:solidFill>
                     <a:srgbClr val="000000"/>
                   </a:solidFill>
@@ -877,7 +886,7 @@
             </a:ln>
             <a:extLst>
               <a:ext uri="{91240B29-F687-4f45-9708-019B960494DF}">
-                <a14:hiddenLine xmlns:a14="http://schemas.microsoft.com/office/drawing/2010/main" xmlns="" w="9525">
+                <a14:hiddenLine xmlns="" xmlns:a14="http://schemas.microsoft.com/office/drawing/2010/main" w="9525">
                   <a:solidFill>
                     <a:srgbClr val="000000"/>
                   </a:solidFill>
@@ -967,7 +976,7 @@
             </a:ln>
             <a:extLst>
               <a:ext uri="{91240B29-F687-4f45-9708-019B960494DF}">
-                <a14:hiddenLine xmlns:a14="http://schemas.microsoft.com/office/drawing/2010/main" xmlns="" w="9525">
+                <a14:hiddenLine xmlns="" xmlns:a14="http://schemas.microsoft.com/office/drawing/2010/main" w="9525">
                   <a:solidFill>
                     <a:srgbClr val="000000"/>
                   </a:solidFill>
@@ -1029,7 +1038,7 @@
             </a:ln>
             <a:extLst>
               <a:ext uri="{91240B29-F687-4f45-9708-019B960494DF}">
-                <a14:hiddenLine xmlns:a14="http://schemas.microsoft.com/office/drawing/2010/main" xmlns="" w="9525">
+                <a14:hiddenLine xmlns="" xmlns:a14="http://schemas.microsoft.com/office/drawing/2010/main" w="9525">
                   <a:solidFill>
                     <a:srgbClr val="000000"/>
                   </a:solidFill>
@@ -1091,7 +1100,7 @@
             </a:ln>
             <a:extLst>
               <a:ext uri="{91240B29-F687-4f45-9708-019B960494DF}">
-                <a14:hiddenLine xmlns:a14="http://schemas.microsoft.com/office/drawing/2010/main" xmlns="" w="9525">
+                <a14:hiddenLine xmlns="" xmlns:a14="http://schemas.microsoft.com/office/drawing/2010/main" w="9525">
                   <a:solidFill>
                     <a:srgbClr val="000000"/>
                   </a:solidFill>
@@ -1181,7 +1190,7 @@
             </a:ln>
             <a:extLst>
               <a:ext uri="{91240B29-F687-4f45-9708-019B960494DF}">
-                <a14:hiddenLine xmlns:a14="http://schemas.microsoft.com/office/drawing/2010/main" xmlns="" w="9525">
+                <a14:hiddenLine xmlns="" xmlns:a14="http://schemas.microsoft.com/office/drawing/2010/main" w="9525">
                   <a:solidFill>
                     <a:srgbClr val="000000"/>
                   </a:solidFill>
@@ -1243,7 +1252,7 @@
             </a:ln>
             <a:extLst>
               <a:ext uri="{91240B29-F687-4f45-9708-019B960494DF}">
-                <a14:hiddenLine xmlns:a14="http://schemas.microsoft.com/office/drawing/2010/main" xmlns="" w="9525">
+                <a14:hiddenLine xmlns="" xmlns:a14="http://schemas.microsoft.com/office/drawing/2010/main" w="9525">
                   <a:solidFill>
                     <a:srgbClr val="000000"/>
                   </a:solidFill>
@@ -1305,7 +1314,7 @@
             </a:ln>
             <a:extLst>
               <a:ext uri="{91240B29-F687-4f45-9708-019B960494DF}">
-                <a14:hiddenLine xmlns:a14="http://schemas.microsoft.com/office/drawing/2010/main" xmlns="" w="9525">
+                <a14:hiddenLine xmlns="" xmlns:a14="http://schemas.microsoft.com/office/drawing/2010/main" w="9525">
                   <a:solidFill>
                     <a:srgbClr val="000000"/>
                   </a:solidFill>
@@ -1395,7 +1404,7 @@
             </a:ln>
             <a:extLst>
               <a:ext uri="{91240B29-F687-4f45-9708-019B960494DF}">
-                <a14:hiddenLine xmlns:a14="http://schemas.microsoft.com/office/drawing/2010/main" xmlns="" w="9525">
+                <a14:hiddenLine xmlns="" xmlns:a14="http://schemas.microsoft.com/office/drawing/2010/main" w="9525">
                   <a:solidFill>
                     <a:srgbClr val="000000"/>
                   </a:solidFill>
@@ -1485,7 +1494,7 @@
             </a:ln>
             <a:extLst>
               <a:ext uri="{91240B29-F687-4f45-9708-019B960494DF}">
-                <a14:hiddenLine xmlns:a14="http://schemas.microsoft.com/office/drawing/2010/main" xmlns="" w="9525">
+                <a14:hiddenLine xmlns="" xmlns:a14="http://schemas.microsoft.com/office/drawing/2010/main" w="9525">
                   <a:solidFill>
                     <a:srgbClr val="000000"/>
                   </a:solidFill>
@@ -1547,7 +1556,7 @@
             </a:ln>
             <a:extLst>
               <a:ext uri="{91240B29-F687-4f45-9708-019B960494DF}">
-                <a14:hiddenLine xmlns:a14="http://schemas.microsoft.com/office/drawing/2010/main" xmlns="" w="9525">
+                <a14:hiddenLine xmlns="" xmlns:a14="http://schemas.microsoft.com/office/drawing/2010/main" w="9525">
                   <a:solidFill>
                     <a:srgbClr val="000000"/>
                   </a:solidFill>
@@ -1657,7 +1666,7 @@
             </a:ln>
             <a:extLst>
               <a:ext uri="{91240B29-F687-4f45-9708-019B960494DF}">
-                <a14:hiddenLine xmlns:a14="http://schemas.microsoft.com/office/drawing/2010/main" xmlns="" w="9525">
+                <a14:hiddenLine xmlns="" xmlns:a14="http://schemas.microsoft.com/office/drawing/2010/main" w="9525">
                   <a:solidFill>
                     <a:srgbClr val="000000"/>
                   </a:solidFill>
@@ -1719,7 +1728,7 @@
             </a:ln>
             <a:extLst>
               <a:ext uri="{91240B29-F687-4f45-9708-019B960494DF}">
-                <a14:hiddenLine xmlns:a14="http://schemas.microsoft.com/office/drawing/2010/main" xmlns="" w="9525">
+                <a14:hiddenLine xmlns="" xmlns:a14="http://schemas.microsoft.com/office/drawing/2010/main" w="9525">
                   <a:solidFill>
                     <a:srgbClr val="000000"/>
                   </a:solidFill>
@@ -1809,7 +1818,7 @@
             </a:ln>
             <a:extLst>
               <a:ext uri="{91240B29-F687-4f45-9708-019B960494DF}">
-                <a14:hiddenLine xmlns:a14="http://schemas.microsoft.com/office/drawing/2010/main" xmlns="" w="9525">
+                <a14:hiddenLine xmlns="" xmlns:a14="http://schemas.microsoft.com/office/drawing/2010/main" w="9525">
                   <a:solidFill>
                     <a:srgbClr val="000000"/>
                   </a:solidFill>
@@ -1899,7 +1908,7 @@
             </a:ln>
             <a:extLst>
               <a:ext uri="{91240B29-F687-4f45-9708-019B960494DF}">
-                <a14:hiddenLine xmlns:a14="http://schemas.microsoft.com/office/drawing/2010/main" xmlns="" w="9525">
+                <a14:hiddenLine xmlns="" xmlns:a14="http://schemas.microsoft.com/office/drawing/2010/main" w="9525">
                   <a:solidFill>
                     <a:srgbClr val="000000"/>
                   </a:solidFill>
@@ -1961,7 +1970,7 @@
             </a:ln>
             <a:extLst>
               <a:ext uri="{91240B29-F687-4f45-9708-019B960494DF}">
-                <a14:hiddenLine xmlns:a14="http://schemas.microsoft.com/office/drawing/2010/main" xmlns="" w="9525">
+                <a14:hiddenLine xmlns="" xmlns:a14="http://schemas.microsoft.com/office/drawing/2010/main" w="9525">
                   <a:solidFill>
                     <a:srgbClr val="000000"/>
                   </a:solidFill>
@@ -2051,7 +2060,7 @@
             </a:ln>
             <a:extLst>
               <a:ext uri="{91240B29-F687-4f45-9708-019B960494DF}">
-                <a14:hiddenLine xmlns:a14="http://schemas.microsoft.com/office/drawing/2010/main" xmlns="" w="9525">
+                <a14:hiddenLine xmlns="" xmlns:a14="http://schemas.microsoft.com/office/drawing/2010/main" w="9525">
                   <a:solidFill>
                     <a:srgbClr val="000000"/>
                   </a:solidFill>
@@ -2141,7 +2150,7 @@
             </a:ln>
             <a:extLst>
               <a:ext uri="{91240B29-F687-4f45-9708-019B960494DF}">
-                <a14:hiddenLine xmlns:a14="http://schemas.microsoft.com/office/drawing/2010/main" xmlns="" w="9525">
+                <a14:hiddenLine xmlns="" xmlns:a14="http://schemas.microsoft.com/office/drawing/2010/main" w="9525">
                   <a:solidFill>
                     <a:srgbClr val="000000"/>
                   </a:solidFill>
@@ -2197,7 +2206,7 @@
             </a:ln>
             <a:extLst>
               <a:ext uri="{91240B29-F687-4f45-9708-019B960494DF}">
-                <a14:hiddenLine xmlns:a14="http://schemas.microsoft.com/office/drawing/2010/main" xmlns="" w="9525">
+                <a14:hiddenLine xmlns="" xmlns:a14="http://schemas.microsoft.com/office/drawing/2010/main" w="9525">
                   <a:solidFill>
                     <a:srgbClr val="000000"/>
                   </a:solidFill>
@@ -2287,7 +2296,7 @@
             </a:ln>
             <a:extLst>
               <a:ext uri="{91240B29-F687-4f45-9708-019B960494DF}">
-                <a14:hiddenLine xmlns:a14="http://schemas.microsoft.com/office/drawing/2010/main" xmlns="" w="9525">
+                <a14:hiddenLine xmlns="" xmlns:a14="http://schemas.microsoft.com/office/drawing/2010/main" w="9525">
                   <a:solidFill>
                     <a:srgbClr val="000000"/>
                   </a:solidFill>
@@ -2343,7 +2352,7 @@
             </a:ln>
             <a:extLst>
               <a:ext uri="{91240B29-F687-4f45-9708-019B960494DF}">
-                <a14:hiddenLine xmlns:a14="http://schemas.microsoft.com/office/drawing/2010/main" xmlns="" w="9525">
+                <a14:hiddenLine xmlns="" xmlns:a14="http://schemas.microsoft.com/office/drawing/2010/main" w="9525">
                   <a:solidFill>
                     <a:srgbClr val="000000"/>
                   </a:solidFill>
@@ -2433,7 +2442,7 @@
             </a:ln>
             <a:extLst>
               <a:ext uri="{91240B29-F687-4f45-9708-019B960494DF}">
-                <a14:hiddenLine xmlns:a14="http://schemas.microsoft.com/office/drawing/2010/main" xmlns="" w="9525">
+                <a14:hiddenLine xmlns="" xmlns:a14="http://schemas.microsoft.com/office/drawing/2010/main" w="9525">
                   <a:solidFill>
                     <a:srgbClr val="000000"/>
                   </a:solidFill>
@@ -2501,7 +2510,7 @@
             </a:ln>
             <a:extLst>
               <a:ext uri="{91240B29-F687-4f45-9708-019B960494DF}">
-                <a14:hiddenLine xmlns:a14="http://schemas.microsoft.com/office/drawing/2010/main" xmlns="" w="9525">
+                <a14:hiddenLine xmlns="" xmlns:a14="http://schemas.microsoft.com/office/drawing/2010/main" w="9525">
                   <a:solidFill>
                     <a:srgbClr val="000000"/>
                   </a:solidFill>
@@ -2591,7 +2600,7 @@
             </a:ln>
             <a:extLst>
               <a:ext uri="{91240B29-F687-4f45-9708-019B960494DF}">
-                <a14:hiddenLine xmlns:a14="http://schemas.microsoft.com/office/drawing/2010/main" xmlns="" w="9525">
+                <a14:hiddenLine xmlns="" xmlns:a14="http://schemas.microsoft.com/office/drawing/2010/main" w="9525">
                   <a:solidFill>
                     <a:srgbClr val="000000"/>
                   </a:solidFill>
@@ -2659,7 +2668,7 @@
             </a:ln>
             <a:extLst>
               <a:ext uri="{91240B29-F687-4f45-9708-019B960494DF}">
-                <a14:hiddenLine xmlns:a14="http://schemas.microsoft.com/office/drawing/2010/main" xmlns="" w="9525">
+                <a14:hiddenLine xmlns="" xmlns:a14="http://schemas.microsoft.com/office/drawing/2010/main" w="9525">
                   <a:solidFill>
                     <a:srgbClr val="000000"/>
                   </a:solidFill>
@@ -2749,7 +2758,7 @@
             </a:ln>
             <a:extLst>
               <a:ext uri="{91240B29-F687-4f45-9708-019B960494DF}">
-                <a14:hiddenLine xmlns:a14="http://schemas.microsoft.com/office/drawing/2010/main" xmlns="" w="9525">
+                <a14:hiddenLine xmlns="" xmlns:a14="http://schemas.microsoft.com/office/drawing/2010/main" w="9525">
                   <a:solidFill>
                     <a:srgbClr val="000000"/>
                   </a:solidFill>
@@ -2783,7 +2792,7 @@
             </a:ln>
             <a:extLst>
               <a:ext uri="{91240B29-F687-4f45-9708-019B960494DF}">
-                <a14:hiddenLine xmlns:a14="http://schemas.microsoft.com/office/drawing/2010/main" xmlns="" w="9525">
+                <a14:hiddenLine xmlns="" xmlns:a14="http://schemas.microsoft.com/office/drawing/2010/main" w="9525">
                   <a:solidFill>
                     <a:srgbClr val="000000"/>
                   </a:solidFill>
@@ -2873,7 +2882,7 @@
             </a:ln>
             <a:extLst>
               <a:ext uri="{91240B29-F687-4f45-9708-019B960494DF}">
-                <a14:hiddenLine xmlns:a14="http://schemas.microsoft.com/office/drawing/2010/main" xmlns="" w="9525">
+                <a14:hiddenLine xmlns="" xmlns:a14="http://schemas.microsoft.com/office/drawing/2010/main" w="9525">
                   <a:solidFill>
                     <a:srgbClr val="000000"/>
                   </a:solidFill>
@@ -2935,7 +2944,7 @@
             </a:ln>
             <a:extLst>
               <a:ext uri="{91240B29-F687-4f45-9708-019B960494DF}">
-                <a14:hiddenLine xmlns:a14="http://schemas.microsoft.com/office/drawing/2010/main" xmlns="" w="9525">
+                <a14:hiddenLine xmlns="" xmlns:a14="http://schemas.microsoft.com/office/drawing/2010/main" w="9525">
                   <a:solidFill>
                     <a:srgbClr val="000000"/>
                   </a:solidFill>
@@ -2997,7 +3006,7 @@
             </a:ln>
             <a:extLst>
               <a:ext uri="{91240B29-F687-4f45-9708-019B960494DF}">
-                <a14:hiddenLine xmlns:a14="http://schemas.microsoft.com/office/drawing/2010/main" xmlns="" w="9525">
+                <a14:hiddenLine xmlns="" xmlns:a14="http://schemas.microsoft.com/office/drawing/2010/main" w="9525">
                   <a:solidFill>
                     <a:srgbClr val="000000"/>
                   </a:solidFill>
@@ -3087,7 +3096,7 @@
             </a:ln>
             <a:extLst>
               <a:ext uri="{91240B29-F687-4f45-9708-019B960494DF}">
-                <a14:hiddenLine xmlns:a14="http://schemas.microsoft.com/office/drawing/2010/main" xmlns="" w="9525">
+                <a14:hiddenLine xmlns="" xmlns:a14="http://schemas.microsoft.com/office/drawing/2010/main" w="9525">
                   <a:solidFill>
                     <a:srgbClr val="000000"/>
                   </a:solidFill>
@@ -3155,7 +3164,7 @@
             </a:ln>
             <a:extLst>
               <a:ext uri="{91240B29-F687-4f45-9708-019B960494DF}">
-                <a14:hiddenLine xmlns:a14="http://schemas.microsoft.com/office/drawing/2010/main" xmlns="" w="9525">
+                <a14:hiddenLine xmlns="" xmlns:a14="http://schemas.microsoft.com/office/drawing/2010/main" w="9525">
                   <a:solidFill>
                     <a:srgbClr val="000000"/>
                   </a:solidFill>
@@ -3217,7 +3226,7 @@
             </a:ln>
             <a:extLst>
               <a:ext uri="{91240B29-F687-4f45-9708-019B960494DF}">
-                <a14:hiddenLine xmlns:a14="http://schemas.microsoft.com/office/drawing/2010/main" xmlns="" w="9525">
+                <a14:hiddenLine xmlns="" xmlns:a14="http://schemas.microsoft.com/office/drawing/2010/main" w="9525">
                   <a:solidFill>
                     <a:srgbClr val="000000"/>
                   </a:solidFill>
@@ -3307,7 +3316,7 @@
             </a:ln>
             <a:extLst>
               <a:ext uri="{91240B29-F687-4f45-9708-019B960494DF}">
-                <a14:hiddenLine xmlns:a14="http://schemas.microsoft.com/office/drawing/2010/main" xmlns="" w="9525">
+                <a14:hiddenLine xmlns="" xmlns:a14="http://schemas.microsoft.com/office/drawing/2010/main" w="9525">
                   <a:solidFill>
                     <a:srgbClr val="000000"/>
                   </a:solidFill>
@@ -3369,7 +3378,7 @@
             </a:ln>
             <a:extLst>
               <a:ext uri="{91240B29-F687-4f45-9708-019B960494DF}">
-                <a14:hiddenLine xmlns:a14="http://schemas.microsoft.com/office/drawing/2010/main" xmlns="" w="9525">
+                <a14:hiddenLine xmlns="" xmlns:a14="http://schemas.microsoft.com/office/drawing/2010/main" w="9525">
                   <a:solidFill>
                     <a:srgbClr val="000000"/>
                   </a:solidFill>
@@ -3459,7 +3468,7 @@
             </a:ln>
             <a:extLst>
               <a:ext uri="{91240B29-F687-4f45-9708-019B960494DF}">
-                <a14:hiddenLine xmlns:a14="http://schemas.microsoft.com/office/drawing/2010/main" xmlns="" w="9525">
+                <a14:hiddenLine xmlns="" xmlns:a14="http://schemas.microsoft.com/office/drawing/2010/main" w="9525">
                   <a:solidFill>
                     <a:srgbClr val="000000"/>
                   </a:solidFill>
@@ -3521,7 +3530,7 @@
             </a:ln>
             <a:extLst>
               <a:ext uri="{91240B29-F687-4f45-9708-019B960494DF}">
-                <a14:hiddenLine xmlns:a14="http://schemas.microsoft.com/office/drawing/2010/main" xmlns="" w="9525">
+                <a14:hiddenLine xmlns="" xmlns:a14="http://schemas.microsoft.com/office/drawing/2010/main" w="9525">
                   <a:solidFill>
                     <a:srgbClr val="000000"/>
                   </a:solidFill>
@@ -3611,7 +3620,7 @@
             </a:ln>
             <a:extLst>
               <a:ext uri="{91240B29-F687-4f45-9708-019B960494DF}">
-                <a14:hiddenLine xmlns:a14="http://schemas.microsoft.com/office/drawing/2010/main" xmlns="" w="9525">
+                <a14:hiddenLine xmlns="" xmlns:a14="http://schemas.microsoft.com/office/drawing/2010/main" w="9525">
                   <a:solidFill>
                     <a:srgbClr val="000000"/>
                   </a:solidFill>
@@ -3645,7 +3654,7 @@
             </a:ln>
             <a:extLst>
               <a:ext uri="{91240B29-F687-4f45-9708-019B960494DF}">
-                <a14:hiddenLine xmlns:a14="http://schemas.microsoft.com/office/drawing/2010/main" xmlns="" w="9525">
+                <a14:hiddenLine xmlns="" xmlns:a14="http://schemas.microsoft.com/office/drawing/2010/main" w="9525">
                   <a:solidFill>
                     <a:srgbClr val="000000"/>
                   </a:solidFill>
@@ -3710,7 +3719,7 @@
             </a:ln>
             <a:extLst>
               <a:ext uri="{91240B29-F687-4f45-9708-019B960494DF}">
-                <a14:hiddenLine xmlns:a14="http://schemas.microsoft.com/office/drawing/2010/main" xmlns="" w="9525">
+                <a14:hiddenLine xmlns="" xmlns:a14="http://schemas.microsoft.com/office/drawing/2010/main" w="9525">
                   <a:solidFill>
                     <a:srgbClr val="000000"/>
                   </a:solidFill>
@@ -3800,7 +3809,7 @@
             </a:ln>
             <a:extLst>
               <a:ext uri="{91240B29-F687-4f45-9708-019B960494DF}">
-                <a14:hiddenLine xmlns:a14="http://schemas.microsoft.com/office/drawing/2010/main" xmlns="" w="9525">
+                <a14:hiddenLine xmlns="" xmlns:a14="http://schemas.microsoft.com/office/drawing/2010/main" w="9525">
                   <a:solidFill>
                     <a:srgbClr val="000000"/>
                   </a:solidFill>
@@ -3862,7 +3871,7 @@
             </a:ln>
             <a:extLst>
               <a:ext uri="{91240B29-F687-4f45-9708-019B960494DF}">
-                <a14:hiddenLine xmlns:a14="http://schemas.microsoft.com/office/drawing/2010/main" xmlns="" w="9525">
+                <a14:hiddenLine xmlns="" xmlns:a14="http://schemas.microsoft.com/office/drawing/2010/main" w="9525">
                   <a:solidFill>
                     <a:srgbClr val="000000"/>
                   </a:solidFill>
@@ -3952,7 +3961,7 @@
             </a:ln>
             <a:extLst>
               <a:ext uri="{91240B29-F687-4f45-9708-019B960494DF}">
-                <a14:hiddenLine xmlns:a14="http://schemas.microsoft.com/office/drawing/2010/main" xmlns="" w="9525">
+                <a14:hiddenLine xmlns="" xmlns:a14="http://schemas.microsoft.com/office/drawing/2010/main" w="9525">
                   <a:solidFill>
                     <a:srgbClr val="000000"/>
                   </a:solidFill>
@@ -4042,7 +4051,7 @@
             </a:ln>
             <a:extLst>
               <a:ext uri="{91240B29-F687-4f45-9708-019B960494DF}">
-                <a14:hiddenLine xmlns:a14="http://schemas.microsoft.com/office/drawing/2010/main" xmlns="" w="9525">
+                <a14:hiddenLine xmlns="" xmlns:a14="http://schemas.microsoft.com/office/drawing/2010/main" w="9525">
                   <a:solidFill>
                     <a:srgbClr val="000000"/>
                   </a:solidFill>
@@ -4107,7 +4116,7 @@
             </a:ln>
             <a:extLst>
               <a:ext uri="{91240B29-F687-4f45-9708-019B960494DF}">
-                <a14:hiddenLine xmlns:a14="http://schemas.microsoft.com/office/drawing/2010/main" xmlns="" w="9525">
+                <a14:hiddenLine xmlns="" xmlns:a14="http://schemas.microsoft.com/office/drawing/2010/main" w="9525">
                   <a:solidFill>
                     <a:srgbClr val="000000"/>
                   </a:solidFill>
@@ -4169,7 +4178,7 @@
             </a:ln>
             <a:extLst>
               <a:ext uri="{91240B29-F687-4f45-9708-019B960494DF}">
-                <a14:hiddenLine xmlns:a14="http://schemas.microsoft.com/office/drawing/2010/main" xmlns="" w="9525">
+                <a14:hiddenLine xmlns="" xmlns:a14="http://schemas.microsoft.com/office/drawing/2010/main" w="9525">
                   <a:solidFill>
                     <a:srgbClr val="000000"/>
                   </a:solidFill>
@@ -4259,7 +4268,7 @@
             </a:ln>
             <a:extLst>
               <a:ext uri="{91240B29-F687-4f45-9708-019B960494DF}">
-                <a14:hiddenLine xmlns:a14="http://schemas.microsoft.com/office/drawing/2010/main" xmlns="" w="9525">
+                <a14:hiddenLine xmlns="" xmlns:a14="http://schemas.microsoft.com/office/drawing/2010/main" w="9525">
                   <a:solidFill>
                     <a:srgbClr val="000000"/>
                   </a:solidFill>
@@ -4349,7 +4358,7 @@
             </a:ln>
             <a:extLst>
               <a:ext uri="{91240B29-F687-4f45-9708-019B960494DF}">
-                <a14:hiddenLine xmlns:a14="http://schemas.microsoft.com/office/drawing/2010/main" xmlns="" w="9525">
+                <a14:hiddenLine xmlns="" xmlns:a14="http://schemas.microsoft.com/office/drawing/2010/main" w="9525">
                   <a:solidFill>
                     <a:srgbClr val="000000"/>
                   </a:solidFill>
@@ -4411,7 +4420,7 @@
             </a:ln>
             <a:extLst>
               <a:ext uri="{91240B29-F687-4f45-9708-019B960494DF}">
-                <a14:hiddenLine xmlns:a14="http://schemas.microsoft.com/office/drawing/2010/main" xmlns="" w="9525">
+                <a14:hiddenLine xmlns="" xmlns:a14="http://schemas.microsoft.com/office/drawing/2010/main" w="9525">
                   <a:solidFill>
                     <a:srgbClr val="000000"/>
                   </a:solidFill>
@@ -4531,7 +4540,7 @@
             </a:ln>
             <a:extLst>
               <a:ext uri="{91240B29-F687-4f45-9708-019B960494DF}">
-                <a14:hiddenLine xmlns:a14="http://schemas.microsoft.com/office/drawing/2010/main" xmlns="" w="9525">
+                <a14:hiddenLine xmlns="" xmlns:a14="http://schemas.microsoft.com/office/drawing/2010/main" w="9525">
                   <a:solidFill>
                     <a:srgbClr val="000000"/>
                   </a:solidFill>
@@ -4599,7 +4608,7 @@
             </a:ln>
             <a:extLst>
               <a:ext uri="{91240B29-F687-4f45-9708-019B960494DF}">
-                <a14:hiddenLine xmlns:a14="http://schemas.microsoft.com/office/drawing/2010/main" xmlns="" w="9525">
+                <a14:hiddenLine xmlns="" xmlns:a14="http://schemas.microsoft.com/office/drawing/2010/main" w="9525">
                   <a:solidFill>
                     <a:srgbClr val="000000"/>
                   </a:solidFill>
@@ -4689,7 +4698,7 @@
             </a:ln>
             <a:extLst>
               <a:ext uri="{91240B29-F687-4f45-9708-019B960494DF}">
-                <a14:hiddenLine xmlns:a14="http://schemas.microsoft.com/office/drawing/2010/main" xmlns="" w="9525">
+                <a14:hiddenLine xmlns="" xmlns:a14="http://schemas.microsoft.com/office/drawing/2010/main" w="9525">
                   <a:solidFill>
                     <a:srgbClr val="000000"/>
                   </a:solidFill>
@@ -4829,7 +4838,7 @@
           <a:p>
             <a:fld id="{107CFB5D-2081-494F-88C9-468A769D117F}" type="datetime1">
               <a:rPr lang="en-US" smtClean="0"/>
-              <a:t>10/13/16</a:t>
+              <a:t>10/15/16</a:t>
             </a:fld>
             <a:endParaRPr lang="en-US" dirty="0"/>
           </a:p>
@@ -5091,7 +5100,7 @@
           <a:p>
             <a:fld id="{C33CA01A-4B5A-6146-A5D1-DA148DCF950D}" type="datetime1">
               <a:rPr lang="en-US" smtClean="0"/>
-              <a:t>10/13/16</a:t>
+              <a:t>10/15/16</a:t>
             </a:fld>
             <a:endParaRPr lang="en-US" dirty="0"/>
           </a:p>
@@ -5282,7 +5291,7 @@
           <a:p>
             <a:fld id="{5D244354-2D7A-C04B-8E0A-608402DC578A}" type="datetime1">
               <a:rPr lang="en-US" smtClean="0"/>
-              <a:t>10/13/16</a:t>
+              <a:t>10/15/16</a:t>
             </a:fld>
             <a:endParaRPr lang="en-US" dirty="0"/>
           </a:p>
@@ -5540,7 +5549,7 @@
           <a:p>
             <a:fld id="{5C2EDF82-7438-884C-93D6-E4627090C9B6}" type="datetime1">
               <a:rPr lang="en-US" smtClean="0"/>
-              <a:t>10/13/16</a:t>
+              <a:t>10/15/16</a:t>
             </a:fld>
             <a:endParaRPr lang="en-US" dirty="0"/>
           </a:p>
@@ -5969,7 +5978,7 @@
           <a:p>
             <a:fld id="{0786C31D-5C2A-9642-8A88-32712D7E7FA7}" type="datetime1">
               <a:rPr lang="en-US" smtClean="0"/>
-              <a:t>10/13/16</a:t>
+              <a:t>10/15/16</a:t>
             </a:fld>
             <a:endParaRPr lang="en-US" dirty="0"/>
           </a:p>
@@ -6510,7 +6519,7 @@
           <a:p>
             <a:fld id="{480794D8-3B6E-2749-A778-2E2C75BCE0DA}" type="datetime1">
               <a:rPr lang="en-US" smtClean="0"/>
-              <a:t>10/13/16</a:t>
+              <a:t>10/15/16</a:t>
             </a:fld>
             <a:endParaRPr lang="en-US" dirty="0"/>
           </a:p>
@@ -7225,7 +7234,7 @@
           <a:p>
             <a:fld id="{1852BD3B-2717-9E43-92D3-A1E1980395AE}" type="datetime1">
               <a:rPr lang="en-US" smtClean="0"/>
-              <a:t>10/13/16</a:t>
+              <a:t>10/15/16</a:t>
             </a:fld>
             <a:endParaRPr lang="en-US" dirty="0"/>
           </a:p>
@@ -7390,7 +7399,7 @@
           <a:p>
             <a:fld id="{525878E2-B291-BC41-9B79-7F980A3697BA}" type="datetime1">
               <a:rPr lang="en-US" smtClean="0"/>
-              <a:t>10/13/16</a:t>
+              <a:t>10/15/16</a:t>
             </a:fld>
             <a:endParaRPr lang="en-US" dirty="0"/>
           </a:p>
@@ -7565,7 +7574,7 @@
           <a:p>
             <a:fld id="{4CC480F8-B9E8-B549-BBEE-314B8053E630}" type="datetime1">
               <a:rPr lang="en-US" smtClean="0"/>
-              <a:t>10/13/16</a:t>
+              <a:t>10/15/16</a:t>
             </a:fld>
             <a:endParaRPr lang="en-US" dirty="0"/>
           </a:p>
@@ -7730,7 +7739,7 @@
           <a:p>
             <a:fld id="{560E8546-2AEE-0949-B3D8-4D71BFA18584}" type="datetime1">
               <a:rPr lang="en-US" smtClean="0"/>
-              <a:t>10/13/16</a:t>
+              <a:t>10/15/16</a:t>
             </a:fld>
             <a:endParaRPr lang="en-US" dirty="0"/>
           </a:p>
@@ -7975,7 +7984,7 @@
           <a:p>
             <a:fld id="{0A649659-AA7D-9342-B816-F010ED4D4355}" type="datetime1">
               <a:rPr lang="en-US" smtClean="0"/>
-              <a:t>10/13/16</a:t>
+              <a:t>10/15/16</a:t>
             </a:fld>
             <a:endParaRPr lang="en-US" dirty="0"/>
           </a:p>
@@ -8202,7 +8211,7 @@
           <a:p>
             <a:fld id="{D1608ED2-6D5C-A749-9942-1742CFAFEA1E}" type="datetime1">
               <a:rPr lang="en-US" smtClean="0"/>
-              <a:t>10/13/16</a:t>
+              <a:t>10/15/16</a:t>
             </a:fld>
             <a:endParaRPr lang="en-US" dirty="0"/>
           </a:p>
@@ -8578,7 +8587,7 @@
           <a:p>
             <a:fld id="{EC5F3B89-C15A-8A4A-B8C2-2174EFD56673}" type="datetime1">
               <a:rPr lang="en-US" smtClean="0"/>
-              <a:t>10/13/16</a:t>
+              <a:t>10/15/16</a:t>
             </a:fld>
             <a:endParaRPr lang="en-US" dirty="0"/>
           </a:p>
@@ -8691,7 +8700,7 @@
           <a:p>
             <a:fld id="{AF41BA15-DAE6-B146-BFD0-D3770E69042C}" type="datetime1">
               <a:rPr lang="en-US" smtClean="0"/>
-              <a:t>10/13/16</a:t>
+              <a:t>10/15/16</a:t>
             </a:fld>
             <a:endParaRPr lang="en-US" dirty="0"/>
           </a:p>
@@ -8781,7 +8790,7 @@
           <a:p>
             <a:fld id="{DB97145A-8F47-B641-BD7D-EF4CCC9C708E}" type="datetime1">
               <a:rPr lang="en-US" smtClean="0"/>
-              <a:t>10/13/16</a:t>
+              <a:t>10/15/16</a:t>
             </a:fld>
             <a:endParaRPr lang="en-US" dirty="0"/>
           </a:p>
@@ -9025,7 +9034,7 @@
           <a:p>
             <a:fld id="{B720EA0C-0247-AB4C-990F-0E795F40C708}" type="datetime1">
               <a:rPr lang="en-US" smtClean="0"/>
-              <a:t>10/13/16</a:t>
+              <a:t>10/15/16</a:t>
             </a:fld>
             <a:endParaRPr lang="en-US" dirty="0"/>
           </a:p>
@@ -9300,7 +9309,7 @@
           <a:p>
             <a:fld id="{179DDEC6-37D3-AE41-905F-F0B50B30D1C5}" type="datetime1">
               <a:rPr lang="en-US" smtClean="0"/>
-              <a:t>10/13/16</a:t>
+              <a:t>10/15/16</a:t>
             </a:fld>
             <a:endParaRPr lang="en-US" dirty="0"/>
           </a:p>
@@ -9411,7 +9420,7 @@
           <a:noFill/>
           <a:extLst>
             <a:ext uri="{909E8E84-426E-40dd-AFC4-6F175D3DCCD1}">
-              <a14:hiddenFill xmlns:a14="http://schemas.microsoft.com/office/drawing/2010/main" xmlns="">
+              <a14:hiddenFill xmlns="" xmlns:a14="http://schemas.microsoft.com/office/drawing/2010/main">
                 <a:solidFill>
                   <a:srgbClr val="FFFFFF"/>
                 </a:solidFill>
@@ -9485,7 +9494,7 @@
               </a:ln>
               <a:extLst>
                 <a:ext uri="{91240B29-F687-4f45-9708-019B960494DF}">
-                  <a14:hiddenLine xmlns:a14="http://schemas.microsoft.com/office/drawing/2010/main" xmlns="" w="9525">
+                  <a14:hiddenLine xmlns="" xmlns:a14="http://schemas.microsoft.com/office/drawing/2010/main" w="9525">
                     <a:solidFill>
                       <a:srgbClr val="000000"/>
                     </a:solidFill>
@@ -9575,7 +9584,7 @@
               </a:ln>
               <a:extLst>
                 <a:ext uri="{91240B29-F687-4f45-9708-019B960494DF}">
-                  <a14:hiddenLine xmlns:a14="http://schemas.microsoft.com/office/drawing/2010/main" xmlns="" w="9525">
+                  <a14:hiddenLine xmlns="" xmlns:a14="http://schemas.microsoft.com/office/drawing/2010/main" w="9525">
                     <a:solidFill>
                       <a:srgbClr val="000000"/>
                     </a:solidFill>
@@ -9665,7 +9674,7 @@
               </a:ln>
               <a:extLst>
                 <a:ext uri="{91240B29-F687-4f45-9708-019B960494DF}">
-                  <a14:hiddenLine xmlns:a14="http://schemas.microsoft.com/office/drawing/2010/main" xmlns="" w="9525">
+                  <a14:hiddenLine xmlns="" xmlns:a14="http://schemas.microsoft.com/office/drawing/2010/main" w="9525">
                     <a:solidFill>
                       <a:srgbClr val="000000"/>
                     </a:solidFill>
@@ -9727,7 +9736,7 @@
               </a:ln>
               <a:extLst>
                 <a:ext uri="{91240B29-F687-4f45-9708-019B960494DF}">
-                  <a14:hiddenLine xmlns:a14="http://schemas.microsoft.com/office/drawing/2010/main" xmlns="" w="9525">
+                  <a14:hiddenLine xmlns="" xmlns:a14="http://schemas.microsoft.com/office/drawing/2010/main" w="9525">
                     <a:solidFill>
                       <a:srgbClr val="000000"/>
                     </a:solidFill>
@@ -9817,7 +9826,7 @@
               </a:ln>
               <a:extLst>
                 <a:ext uri="{91240B29-F687-4f45-9708-019B960494DF}">
-                  <a14:hiddenLine xmlns:a14="http://schemas.microsoft.com/office/drawing/2010/main" xmlns="" w="9525">
+                  <a14:hiddenLine xmlns="" xmlns:a14="http://schemas.microsoft.com/office/drawing/2010/main" w="9525">
                     <a:solidFill>
                       <a:srgbClr val="000000"/>
                     </a:solidFill>
@@ -9879,7 +9888,7 @@
               </a:ln>
               <a:extLst>
                 <a:ext uri="{91240B29-F687-4f45-9708-019B960494DF}">
-                  <a14:hiddenLine xmlns:a14="http://schemas.microsoft.com/office/drawing/2010/main" xmlns="" w="9525">
+                  <a14:hiddenLine xmlns="" xmlns:a14="http://schemas.microsoft.com/office/drawing/2010/main" w="9525">
                     <a:solidFill>
                       <a:srgbClr val="000000"/>
                     </a:solidFill>
@@ -9941,7 +9950,7 @@
               </a:ln>
               <a:extLst>
                 <a:ext uri="{91240B29-F687-4f45-9708-019B960494DF}">
-                  <a14:hiddenLine xmlns:a14="http://schemas.microsoft.com/office/drawing/2010/main" xmlns="" w="9525">
+                  <a14:hiddenLine xmlns="" xmlns:a14="http://schemas.microsoft.com/office/drawing/2010/main" w="9525">
                     <a:solidFill>
                       <a:srgbClr val="000000"/>
                     </a:solidFill>
@@ -10031,7 +10040,7 @@
               </a:ln>
               <a:extLst>
                 <a:ext uri="{91240B29-F687-4f45-9708-019B960494DF}">
-                  <a14:hiddenLine xmlns:a14="http://schemas.microsoft.com/office/drawing/2010/main" xmlns="" w="9525">
+                  <a14:hiddenLine xmlns="" xmlns:a14="http://schemas.microsoft.com/office/drawing/2010/main" w="9525">
                     <a:solidFill>
                       <a:srgbClr val="000000"/>
                     </a:solidFill>
@@ -10121,7 +10130,7 @@
               </a:ln>
               <a:extLst>
                 <a:ext uri="{91240B29-F687-4f45-9708-019B960494DF}">
-                  <a14:hiddenLine xmlns:a14="http://schemas.microsoft.com/office/drawing/2010/main" xmlns="" w="9525">
+                  <a14:hiddenLine xmlns="" xmlns:a14="http://schemas.microsoft.com/office/drawing/2010/main" w="9525">
                     <a:solidFill>
                       <a:srgbClr val="000000"/>
                     </a:solidFill>
@@ -10183,7 +10192,7 @@
               </a:ln>
               <a:extLst>
                 <a:ext uri="{91240B29-F687-4f45-9708-019B960494DF}">
-                  <a14:hiddenLine xmlns:a14="http://schemas.microsoft.com/office/drawing/2010/main" xmlns="" w="9525">
+                  <a14:hiddenLine xmlns="" xmlns:a14="http://schemas.microsoft.com/office/drawing/2010/main" w="9525">
                     <a:solidFill>
                       <a:srgbClr val="000000"/>
                     </a:solidFill>
@@ -10293,7 +10302,7 @@
               </a:ln>
               <a:extLst>
                 <a:ext uri="{91240B29-F687-4f45-9708-019B960494DF}">
-                  <a14:hiddenLine xmlns:a14="http://schemas.microsoft.com/office/drawing/2010/main" xmlns="" w="9525">
+                  <a14:hiddenLine xmlns="" xmlns:a14="http://schemas.microsoft.com/office/drawing/2010/main" w="9525">
                     <a:solidFill>
                       <a:srgbClr val="000000"/>
                     </a:solidFill>
@@ -10377,7 +10386,7 @@
               </a:ln>
               <a:extLst>
                 <a:ext uri="{91240B29-F687-4f45-9708-019B960494DF}">
-                  <a14:hiddenLine xmlns:a14="http://schemas.microsoft.com/office/drawing/2010/main" xmlns="" w="9525">
+                  <a14:hiddenLine xmlns="" xmlns:a14="http://schemas.microsoft.com/office/drawing/2010/main" w="9525">
                     <a:solidFill>
                       <a:srgbClr val="000000"/>
                     </a:solidFill>
@@ -10439,7 +10448,7 @@
               </a:ln>
               <a:extLst>
                 <a:ext uri="{91240B29-F687-4f45-9708-019B960494DF}">
-                  <a14:hiddenLine xmlns:a14="http://schemas.microsoft.com/office/drawing/2010/main" xmlns="" w="9525">
+                  <a14:hiddenLine xmlns="" xmlns:a14="http://schemas.microsoft.com/office/drawing/2010/main" w="9525">
                     <a:solidFill>
                       <a:srgbClr val="000000"/>
                     </a:solidFill>
@@ -10501,7 +10510,7 @@
               </a:ln>
               <a:extLst>
                 <a:ext uri="{91240B29-F687-4f45-9708-019B960494DF}">
-                  <a14:hiddenLine xmlns:a14="http://schemas.microsoft.com/office/drawing/2010/main" xmlns="" w="9525">
+                  <a14:hiddenLine xmlns="" xmlns:a14="http://schemas.microsoft.com/office/drawing/2010/main" w="9525">
                     <a:solidFill>
                       <a:srgbClr val="000000"/>
                     </a:solidFill>
@@ -10591,7 +10600,7 @@
               </a:ln>
               <a:extLst>
                 <a:ext uri="{91240B29-F687-4f45-9708-019B960494DF}">
-                  <a14:hiddenLine xmlns:a14="http://schemas.microsoft.com/office/drawing/2010/main" xmlns="" w="9525">
+                  <a14:hiddenLine xmlns="" xmlns:a14="http://schemas.microsoft.com/office/drawing/2010/main" w="9525">
                     <a:solidFill>
                       <a:srgbClr val="000000"/>
                     </a:solidFill>
@@ -10625,7 +10634,7 @@
               </a:ln>
               <a:extLst>
                 <a:ext uri="{91240B29-F687-4f45-9708-019B960494DF}">
-                  <a14:hiddenLine xmlns:a14="http://schemas.microsoft.com/office/drawing/2010/main" xmlns="" w="9525">
+                  <a14:hiddenLine xmlns="" xmlns:a14="http://schemas.microsoft.com/office/drawing/2010/main" w="9525">
                     <a:solidFill>
                       <a:srgbClr val="000000"/>
                     </a:solidFill>
@@ -10690,7 +10699,7 @@
               </a:ln>
               <a:extLst>
                 <a:ext uri="{91240B29-F687-4f45-9708-019B960494DF}">
-                  <a14:hiddenLine xmlns:a14="http://schemas.microsoft.com/office/drawing/2010/main" xmlns="" w="9525">
+                  <a14:hiddenLine xmlns="" xmlns:a14="http://schemas.microsoft.com/office/drawing/2010/main" w="9525">
                     <a:solidFill>
                       <a:srgbClr val="000000"/>
                     </a:solidFill>
@@ -10780,7 +10789,7 @@
               </a:ln>
               <a:extLst>
                 <a:ext uri="{91240B29-F687-4f45-9708-019B960494DF}">
-                  <a14:hiddenLine xmlns:a14="http://schemas.microsoft.com/office/drawing/2010/main" xmlns="" w="9525">
+                  <a14:hiddenLine xmlns="" xmlns:a14="http://schemas.microsoft.com/office/drawing/2010/main" w="9525">
                     <a:solidFill>
                       <a:srgbClr val="000000"/>
                     </a:solidFill>
@@ -10842,7 +10851,7 @@
               </a:ln>
               <a:extLst>
                 <a:ext uri="{91240B29-F687-4f45-9708-019B960494DF}">
-                  <a14:hiddenLine xmlns:a14="http://schemas.microsoft.com/office/drawing/2010/main" xmlns="" w="9525">
+                  <a14:hiddenLine xmlns="" xmlns:a14="http://schemas.microsoft.com/office/drawing/2010/main" w="9525">
                     <a:solidFill>
                       <a:srgbClr val="000000"/>
                     </a:solidFill>
@@ -10932,7 +10941,7 @@
               </a:ln>
               <a:extLst>
                 <a:ext uri="{91240B29-F687-4f45-9708-019B960494DF}">
-                  <a14:hiddenLine xmlns:a14="http://schemas.microsoft.com/office/drawing/2010/main" xmlns="" w="9525">
+                  <a14:hiddenLine xmlns="" xmlns:a14="http://schemas.microsoft.com/office/drawing/2010/main" w="9525">
                     <a:solidFill>
                       <a:srgbClr val="000000"/>
                     </a:solidFill>
@@ -10997,7 +11006,7 @@
               </a:ln>
               <a:extLst>
                 <a:ext uri="{91240B29-F687-4f45-9708-019B960494DF}">
-                  <a14:hiddenLine xmlns:a14="http://schemas.microsoft.com/office/drawing/2010/main" xmlns="" w="9525">
+                  <a14:hiddenLine xmlns="" xmlns:a14="http://schemas.microsoft.com/office/drawing/2010/main" w="9525">
                     <a:solidFill>
                       <a:srgbClr val="000000"/>
                     </a:solidFill>
@@ -11059,7 +11068,7 @@
               </a:ln>
               <a:extLst>
                 <a:ext uri="{91240B29-F687-4f45-9708-019B960494DF}">
-                  <a14:hiddenLine xmlns:a14="http://schemas.microsoft.com/office/drawing/2010/main" xmlns="" w="9525">
+                  <a14:hiddenLine xmlns="" xmlns:a14="http://schemas.microsoft.com/office/drawing/2010/main" w="9525">
                     <a:solidFill>
                       <a:srgbClr val="000000"/>
                     </a:solidFill>
@@ -11149,7 +11158,7 @@
               </a:ln>
               <a:extLst>
                 <a:ext uri="{91240B29-F687-4f45-9708-019B960494DF}">
-                  <a14:hiddenLine xmlns:a14="http://schemas.microsoft.com/office/drawing/2010/main" xmlns="" w="9525">
+                  <a14:hiddenLine xmlns="" xmlns:a14="http://schemas.microsoft.com/office/drawing/2010/main" w="9525">
                     <a:solidFill>
                       <a:srgbClr val="000000"/>
                     </a:solidFill>
@@ -11239,7 +11248,7 @@
               </a:ln>
               <a:extLst>
                 <a:ext uri="{91240B29-F687-4f45-9708-019B960494DF}">
-                  <a14:hiddenLine xmlns:a14="http://schemas.microsoft.com/office/drawing/2010/main" xmlns="" w="9525">
+                  <a14:hiddenLine xmlns="" xmlns:a14="http://schemas.microsoft.com/office/drawing/2010/main" w="9525">
                     <a:solidFill>
                       <a:srgbClr val="000000"/>
                     </a:solidFill>
@@ -11304,7 +11313,7 @@
               </a:ln>
               <a:extLst>
                 <a:ext uri="{91240B29-F687-4f45-9708-019B960494DF}">
-                  <a14:hiddenLine xmlns:a14="http://schemas.microsoft.com/office/drawing/2010/main" xmlns="" w="9525">
+                  <a14:hiddenLine xmlns="" xmlns:a14="http://schemas.microsoft.com/office/drawing/2010/main" w="9525">
                     <a:solidFill>
                       <a:srgbClr val="000000"/>
                     </a:solidFill>
@@ -11424,7 +11433,7 @@
               </a:ln>
               <a:extLst>
                 <a:ext uri="{91240B29-F687-4f45-9708-019B960494DF}">
-                  <a14:hiddenLine xmlns:a14="http://schemas.microsoft.com/office/drawing/2010/main" xmlns="" w="9525">
+                  <a14:hiddenLine xmlns="" xmlns:a14="http://schemas.microsoft.com/office/drawing/2010/main" w="9525">
                     <a:solidFill>
                       <a:srgbClr val="000000"/>
                     </a:solidFill>
@@ -11522,7 +11531,7 @@
               </a:ln>
               <a:extLst>
                 <a:ext uri="{91240B29-F687-4f45-9708-019B960494DF}">
-                  <a14:hiddenLine xmlns:a14="http://schemas.microsoft.com/office/drawing/2010/main" xmlns="" w="9525">
+                  <a14:hiddenLine xmlns="" xmlns:a14="http://schemas.microsoft.com/office/drawing/2010/main" w="9525">
                     <a:solidFill>
                       <a:srgbClr val="000000"/>
                     </a:solidFill>
@@ -11637,7 +11646,7 @@
               </a:ln>
               <a:extLst>
                 <a:ext uri="{91240B29-F687-4f45-9708-019B960494DF}">
-                  <a14:hiddenLine xmlns:a14="http://schemas.microsoft.com/office/drawing/2010/main" xmlns="" w="9525">
+                  <a14:hiddenLine xmlns="" xmlns:a14="http://schemas.microsoft.com/office/drawing/2010/main" w="9525">
                     <a:solidFill>
                       <a:srgbClr val="000000"/>
                     </a:solidFill>
@@ -11727,7 +11736,7 @@
               </a:ln>
               <a:extLst>
                 <a:ext uri="{91240B29-F687-4f45-9708-019B960494DF}">
-                  <a14:hiddenLine xmlns:a14="http://schemas.microsoft.com/office/drawing/2010/main" xmlns="" w="9525">
+                  <a14:hiddenLine xmlns="" xmlns:a14="http://schemas.microsoft.com/office/drawing/2010/main" w="9525">
                     <a:solidFill>
                       <a:srgbClr val="000000"/>
                     </a:solidFill>
@@ -11792,7 +11801,7 @@
               </a:ln>
               <a:extLst>
                 <a:ext uri="{91240B29-F687-4f45-9708-019B960494DF}">
-                  <a14:hiddenLine xmlns:a14="http://schemas.microsoft.com/office/drawing/2010/main" xmlns="" w="9525">
+                  <a14:hiddenLine xmlns="" xmlns:a14="http://schemas.microsoft.com/office/drawing/2010/main" w="9525">
                     <a:solidFill>
                       <a:srgbClr val="000000"/>
                     </a:solidFill>
@@ -11882,7 +11891,7 @@
               </a:ln>
               <a:extLst>
                 <a:ext uri="{91240B29-F687-4f45-9708-019B960494DF}">
-                  <a14:hiddenLine xmlns:a14="http://schemas.microsoft.com/office/drawing/2010/main" xmlns="" w="9525">
+                  <a14:hiddenLine xmlns="" xmlns:a14="http://schemas.microsoft.com/office/drawing/2010/main" w="9525">
                     <a:solidFill>
                       <a:srgbClr val="000000"/>
                     </a:solidFill>
@@ -11950,7 +11959,7 @@
               </a:ln>
               <a:extLst>
                 <a:ext uri="{91240B29-F687-4f45-9708-019B960494DF}">
-                  <a14:hiddenLine xmlns:a14="http://schemas.microsoft.com/office/drawing/2010/main" xmlns="" w="9525">
+                  <a14:hiddenLine xmlns="" xmlns:a14="http://schemas.microsoft.com/office/drawing/2010/main" w="9525">
                     <a:solidFill>
                       <a:srgbClr val="000000"/>
                     </a:solidFill>
@@ -12040,7 +12049,7 @@
               </a:ln>
               <a:extLst>
                 <a:ext uri="{91240B29-F687-4f45-9708-019B960494DF}">
-                  <a14:hiddenLine xmlns:a14="http://schemas.microsoft.com/office/drawing/2010/main" xmlns="" w="9525">
+                  <a14:hiddenLine xmlns="" xmlns:a14="http://schemas.microsoft.com/office/drawing/2010/main" w="9525">
                     <a:solidFill>
                       <a:srgbClr val="000000"/>
                     </a:solidFill>
@@ -12108,7 +12117,7 @@
               </a:ln>
               <a:extLst>
                 <a:ext uri="{91240B29-F687-4f45-9708-019B960494DF}">
-                  <a14:hiddenLine xmlns:a14="http://schemas.microsoft.com/office/drawing/2010/main" xmlns="" w="9525">
+                  <a14:hiddenLine xmlns="" xmlns:a14="http://schemas.microsoft.com/office/drawing/2010/main" w="9525">
                     <a:solidFill>
                       <a:srgbClr val="000000"/>
                     </a:solidFill>
@@ -12198,7 +12207,7 @@
               </a:ln>
               <a:extLst>
                 <a:ext uri="{91240B29-F687-4f45-9708-019B960494DF}">
-                  <a14:hiddenLine xmlns:a14="http://schemas.microsoft.com/office/drawing/2010/main" xmlns="" w="9525">
+                  <a14:hiddenLine xmlns="" xmlns:a14="http://schemas.microsoft.com/office/drawing/2010/main" w="9525">
                     <a:solidFill>
                       <a:srgbClr val="000000"/>
                     </a:solidFill>
@@ -12232,7 +12241,7 @@
               </a:ln>
               <a:extLst>
                 <a:ext uri="{91240B29-F687-4f45-9708-019B960494DF}">
-                  <a14:hiddenLine xmlns:a14="http://schemas.microsoft.com/office/drawing/2010/main" xmlns="" w="9525">
+                  <a14:hiddenLine xmlns="" xmlns:a14="http://schemas.microsoft.com/office/drawing/2010/main" w="9525">
                     <a:solidFill>
                       <a:srgbClr val="000000"/>
                     </a:solidFill>
@@ -12372,7 +12381,7 @@
           <a:p>
             <a:fld id="{A73096D0-22D8-5A45-9878-5050220B95B1}" type="datetime1">
               <a:rPr lang="en-US" smtClean="0"/>
-              <a:t>10/13/16</a:t>
+              <a:t>10/15/16</a:t>
             </a:fld>
             <a:endParaRPr lang="en-US" dirty="0"/>
           </a:p>
@@ -13024,6 +13033,600 @@
   <p:clrMapOvr>
     <a:masterClrMapping/>
   </p:clrMapOvr>
+  <p:timing>
+    <p:tnLst>
+      <p:par>
+        <p:cTn id="1" dur="indefinite" restart="never" nodeType="tmRoot"/>
+      </p:par>
+    </p:tnLst>
+  </p:timing>
+</p:sld>
+</file>
+
+<file path=ppt/slides/slide11.xml><?xml version="1.0" encoding="utf-8"?>
+<p:sld xmlns:a="http://schemas.openxmlformats.org/drawingml/2006/main" xmlns:r="http://schemas.openxmlformats.org/officeDocument/2006/relationships" xmlns:p="http://schemas.openxmlformats.org/presentationml/2006/main">
+  <p:cSld>
+    <p:spTree>
+      <p:nvGrpSpPr>
+        <p:cNvPr id="1" name=""/>
+        <p:cNvGrpSpPr/>
+        <p:nvPr/>
+      </p:nvGrpSpPr>
+      <p:grpSpPr>
+        <a:xfrm>
+          <a:off x="0" y="0"/>
+          <a:ext cx="0" cy="0"/>
+          <a:chOff x="0" y="0"/>
+          <a:chExt cx="0" cy="0"/>
+        </a:xfrm>
+      </p:grpSpPr>
+      <p:sp>
+        <p:nvSpPr>
+          <p:cNvPr id="2" name="Title 1"/>
+          <p:cNvSpPr>
+            <a:spLocks noGrp="1"/>
+          </p:cNvSpPr>
+          <p:nvPr>
+            <p:ph type="title"/>
+          </p:nvPr>
+        </p:nvSpPr>
+        <p:spPr/>
+        <p:txBody>
+          <a:bodyPr/>
+          <a:lstStyle/>
+          <a:p>
+            <a:r>
+              <a:rPr lang="en-US" b="1" dirty="0"/>
+              <a:t>Mixing Chemical Components to Create a Chemical Solution</a:t>
+            </a:r>
+            <a:endParaRPr lang="en-US" dirty="0"/>
+          </a:p>
+        </p:txBody>
+      </p:sp>
+      <p:pic>
+        <p:nvPicPr>
+          <p:cNvPr id="5" name="Content Placeholder 4"/>
+          <p:cNvPicPr>
+            <a:picLocks noGrp="1" noChangeAspect="1"/>
+          </p:cNvPicPr>
+          <p:nvPr>
+            <p:ph idx="1"/>
+          </p:nvPr>
+        </p:nvPicPr>
+        <p:blipFill>
+          <a:blip r:embed="rId2">
+            <a:extLst>
+              <a:ext uri="{28A0092B-C50C-407E-A947-70E740481C1C}">
+                <a14:useLocalDpi xmlns:a14="http://schemas.microsoft.com/office/drawing/2010/main" val="0"/>
+              </a:ext>
+            </a:extLst>
+          </a:blip>
+          <a:stretch>
+            <a:fillRect/>
+          </a:stretch>
+        </p:blipFill>
+        <p:spPr>
+          <a:xfrm>
+            <a:off x="2474071" y="2097088"/>
+            <a:ext cx="7219591" cy="4425632"/>
+          </a:xfrm>
+        </p:spPr>
+      </p:pic>
+      <p:sp>
+        <p:nvSpPr>
+          <p:cNvPr id="4" name="Slide Number Placeholder 3"/>
+          <p:cNvSpPr>
+            <a:spLocks noGrp="1"/>
+          </p:cNvSpPr>
+          <p:nvPr>
+            <p:ph type="sldNum" sz="quarter" idx="12"/>
+          </p:nvPr>
+        </p:nvSpPr>
+        <p:spPr/>
+        <p:txBody>
+          <a:bodyPr/>
+          <a:lstStyle/>
+          <a:p>
+            <a:fld id="{6D22F896-40B5-4ADD-8801-0D06FADFA095}" type="slidenum">
+              <a:rPr lang="en-US" smtClean="0"/>
+              <a:t>11</a:t>
+            </a:fld>
+            <a:endParaRPr lang="en-US" dirty="0"/>
+          </a:p>
+        </p:txBody>
+      </p:sp>
+    </p:spTree>
+    <p:extLst>
+      <p:ext uri="{BB962C8B-B14F-4D97-AF65-F5344CB8AC3E}">
+        <p14:creationId xmlns:p14="http://schemas.microsoft.com/office/powerpoint/2010/main" val="1940498301"/>
+      </p:ext>
+    </p:extLst>
+  </p:cSld>
+  <p:clrMapOvr>
+    <a:masterClrMapping/>
+  </p:clrMapOvr>
+  <p:timing>
+    <p:tnLst>
+      <p:par>
+        <p:cTn id="1" dur="indefinite" restart="never" nodeType="tmRoot"/>
+      </p:par>
+    </p:tnLst>
+  </p:timing>
+</p:sld>
+</file>
+
+<file path=ppt/slides/slide12.xml><?xml version="1.0" encoding="utf-8"?>
+<p:sld xmlns:a="http://schemas.openxmlformats.org/drawingml/2006/main" xmlns:r="http://schemas.openxmlformats.org/officeDocument/2006/relationships" xmlns:p="http://schemas.openxmlformats.org/presentationml/2006/main">
+  <p:cSld>
+    <p:spTree>
+      <p:nvGrpSpPr>
+        <p:cNvPr id="1" name=""/>
+        <p:cNvGrpSpPr/>
+        <p:nvPr/>
+      </p:nvGrpSpPr>
+      <p:grpSpPr>
+        <a:xfrm>
+          <a:off x="0" y="0"/>
+          <a:ext cx="0" cy="0"/>
+          <a:chOff x="0" y="0"/>
+          <a:chExt cx="0" cy="0"/>
+        </a:xfrm>
+      </p:grpSpPr>
+      <p:sp>
+        <p:nvSpPr>
+          <p:cNvPr id="2" name="Title 1"/>
+          <p:cNvSpPr>
+            <a:spLocks noGrp="1"/>
+          </p:cNvSpPr>
+          <p:nvPr>
+            <p:ph type="title"/>
+          </p:nvPr>
+        </p:nvSpPr>
+        <p:spPr/>
+        <p:txBody>
+          <a:bodyPr/>
+          <a:lstStyle/>
+          <a:p>
+            <a:r>
+              <a:rPr lang="en-US" b="1" dirty="0"/>
+              <a:t>Mixing Chemical Components to Create a Chemical Solution</a:t>
+            </a:r>
+            <a:endParaRPr lang="en-US" dirty="0"/>
+          </a:p>
+        </p:txBody>
+      </p:sp>
+      <p:pic>
+        <p:nvPicPr>
+          <p:cNvPr id="5" name="Content Placeholder 4"/>
+          <p:cNvPicPr>
+            <a:picLocks noGrp="1" noChangeAspect="1"/>
+          </p:cNvPicPr>
+          <p:nvPr>
+            <p:ph idx="1"/>
+          </p:nvPr>
+        </p:nvPicPr>
+        <p:blipFill>
+          <a:blip r:embed="rId2">
+            <a:extLst>
+              <a:ext uri="{28A0092B-C50C-407E-A947-70E740481C1C}">
+                <a14:useLocalDpi xmlns:a14="http://schemas.microsoft.com/office/drawing/2010/main" val="0"/>
+              </a:ext>
+            </a:extLst>
+          </a:blip>
+          <a:stretch>
+            <a:fillRect/>
+          </a:stretch>
+        </p:blipFill>
+        <p:spPr>
+          <a:xfrm>
+            <a:off x="3316166" y="2097088"/>
+            <a:ext cx="4425754" cy="4347125"/>
+          </a:xfrm>
+        </p:spPr>
+      </p:pic>
+      <p:sp>
+        <p:nvSpPr>
+          <p:cNvPr id="4" name="Slide Number Placeholder 3"/>
+          <p:cNvSpPr>
+            <a:spLocks noGrp="1"/>
+          </p:cNvSpPr>
+          <p:nvPr>
+            <p:ph type="sldNum" sz="quarter" idx="12"/>
+          </p:nvPr>
+        </p:nvSpPr>
+        <p:spPr/>
+        <p:txBody>
+          <a:bodyPr/>
+          <a:lstStyle/>
+          <a:p>
+            <a:fld id="{6D22F896-40B5-4ADD-8801-0D06FADFA095}" type="slidenum">
+              <a:rPr lang="en-US" smtClean="0"/>
+              <a:t>12</a:t>
+            </a:fld>
+            <a:endParaRPr lang="en-US" dirty="0"/>
+          </a:p>
+        </p:txBody>
+      </p:sp>
+    </p:spTree>
+    <p:extLst>
+      <p:ext uri="{BB962C8B-B14F-4D97-AF65-F5344CB8AC3E}">
+        <p14:creationId xmlns:p14="http://schemas.microsoft.com/office/powerpoint/2010/main" val="120797918"/>
+      </p:ext>
+    </p:extLst>
+  </p:cSld>
+  <p:clrMapOvr>
+    <a:masterClrMapping/>
+  </p:clrMapOvr>
+  <p:timing>
+    <p:tnLst>
+      <p:par>
+        <p:cTn id="1" dur="indefinite" restart="never" nodeType="tmRoot"/>
+      </p:par>
+    </p:tnLst>
+  </p:timing>
+</p:sld>
+</file>
+
+<file path=ppt/slides/slide13.xml><?xml version="1.0" encoding="utf-8"?>
+<p:sld xmlns:a="http://schemas.openxmlformats.org/drawingml/2006/main" xmlns:r="http://schemas.openxmlformats.org/officeDocument/2006/relationships" xmlns:p="http://schemas.openxmlformats.org/presentationml/2006/main">
+  <p:cSld>
+    <p:spTree>
+      <p:nvGrpSpPr>
+        <p:cNvPr id="1" name=""/>
+        <p:cNvGrpSpPr/>
+        <p:nvPr/>
+      </p:nvGrpSpPr>
+      <p:grpSpPr>
+        <a:xfrm>
+          <a:off x="0" y="0"/>
+          <a:ext cx="0" cy="0"/>
+          <a:chOff x="0" y="0"/>
+          <a:chExt cx="0" cy="0"/>
+        </a:xfrm>
+      </p:grpSpPr>
+      <p:sp>
+        <p:nvSpPr>
+          <p:cNvPr id="2" name="Title 1"/>
+          <p:cNvSpPr>
+            <a:spLocks noGrp="1"/>
+          </p:cNvSpPr>
+          <p:nvPr>
+            <p:ph type="title"/>
+          </p:nvPr>
+        </p:nvSpPr>
+        <p:spPr/>
+        <p:txBody>
+          <a:bodyPr/>
+          <a:lstStyle/>
+          <a:p>
+            <a:r>
+              <a:rPr lang="en-US" b="1" dirty="0"/>
+              <a:t>Mixing Chemical Components to Create a Chemical Solution</a:t>
+            </a:r>
+            <a:endParaRPr lang="en-US" dirty="0"/>
+          </a:p>
+        </p:txBody>
+      </p:sp>
+      <p:sp>
+        <p:nvSpPr>
+          <p:cNvPr id="4" name="Slide Number Placeholder 3"/>
+          <p:cNvSpPr>
+            <a:spLocks noGrp="1"/>
+          </p:cNvSpPr>
+          <p:nvPr>
+            <p:ph type="sldNum" sz="quarter" idx="12"/>
+          </p:nvPr>
+        </p:nvSpPr>
+        <p:spPr/>
+        <p:txBody>
+          <a:bodyPr/>
+          <a:lstStyle/>
+          <a:p>
+            <a:fld id="{6D22F896-40B5-4ADD-8801-0D06FADFA095}" type="slidenum">
+              <a:rPr lang="en-US" smtClean="0"/>
+              <a:t>13</a:t>
+            </a:fld>
+            <a:endParaRPr lang="en-US" dirty="0"/>
+          </a:p>
+        </p:txBody>
+      </p:sp>
+      <p:sp>
+        <p:nvSpPr>
+          <p:cNvPr id="7" name="Content Placeholder 6"/>
+          <p:cNvSpPr>
+            <a:spLocks noGrp="1"/>
+          </p:cNvSpPr>
+          <p:nvPr>
+            <p:ph idx="1"/>
+          </p:nvPr>
+        </p:nvSpPr>
+        <p:spPr/>
+        <p:txBody>
+          <a:bodyPr/>
+          <a:lstStyle/>
+          <a:p>
+            <a:pPr marL="0" marR="0" lvl="0" indent="0" defTabSz="914400" eaLnBrk="1" fontAlgn="auto" latinLnBrk="0" hangingPunct="1">
+              <a:lnSpc>
+                <a:spcPct val="100000"/>
+              </a:lnSpc>
+              <a:spcBef>
+                <a:spcPts val="0"/>
+              </a:spcBef>
+              <a:spcAft>
+                <a:spcPts val="0"/>
+              </a:spcAft>
+              <a:buClrTx/>
+              <a:buSzTx/>
+              <a:buFontTx/>
+              <a:buNone/>
+              <a:tabLst/>
+              <a:defRPr/>
+            </a:pPr>
+            <a:r>
+              <a:rPr lang="en-US" dirty="0" smtClean="0"/>
+              <a:t>Generalizing for mixing two chemicals:</a:t>
+            </a:r>
+          </a:p>
+          <a:p>
+            <a:pPr marL="0" marR="0" lvl="0" indent="0" defTabSz="914400" eaLnBrk="1" fontAlgn="auto" latinLnBrk="0" hangingPunct="1">
+              <a:lnSpc>
+                <a:spcPct val="100000"/>
+              </a:lnSpc>
+              <a:spcBef>
+                <a:spcPts val="0"/>
+              </a:spcBef>
+              <a:spcAft>
+                <a:spcPts val="0"/>
+              </a:spcAft>
+              <a:buClrTx/>
+              <a:buSzTx/>
+              <a:buFontTx/>
+              <a:buNone/>
+              <a:tabLst/>
+              <a:defRPr/>
+            </a:pPr>
+            <a:endParaRPr lang="en-US" dirty="0"/>
+          </a:p>
+          <a:p>
+            <a:pPr marL="0" marR="0" lvl="0" indent="0" defTabSz="914400" eaLnBrk="1" fontAlgn="auto" latinLnBrk="0" hangingPunct="1">
+              <a:lnSpc>
+                <a:spcPct val="100000"/>
+              </a:lnSpc>
+              <a:spcBef>
+                <a:spcPts val="0"/>
+              </a:spcBef>
+              <a:spcAft>
+                <a:spcPts val="0"/>
+              </a:spcAft>
+              <a:buClrTx/>
+              <a:buSzTx/>
+              <a:buFontTx/>
+              <a:buNone/>
+              <a:tabLst/>
+              <a:defRPr/>
+            </a:pPr>
+            <a:endParaRPr lang="en-US" dirty="0"/>
+          </a:p>
+        </p:txBody>
+      </p:sp>
+      <p:pic>
+        <p:nvPicPr>
+          <p:cNvPr id="8" name="Picture 7"/>
+          <p:cNvPicPr>
+            <a:picLocks noChangeAspect="1"/>
+          </p:cNvPicPr>
+          <p:nvPr/>
+        </p:nvPicPr>
+        <p:blipFill>
+          <a:blip r:embed="rId2">
+            <a:extLst>
+              <a:ext uri="{28A0092B-C50C-407E-A947-70E740481C1C}">
+                <a14:useLocalDpi xmlns:a14="http://schemas.microsoft.com/office/drawing/2010/main" val="0"/>
+              </a:ext>
+            </a:extLst>
+          </a:blip>
+          <a:stretch>
+            <a:fillRect/>
+          </a:stretch>
+        </p:blipFill>
+        <p:spPr>
+          <a:xfrm>
+            <a:off x="2468880" y="2793999"/>
+            <a:ext cx="5638800" cy="3454400"/>
+          </a:xfrm>
+          <a:prstGeom prst="rect">
+            <a:avLst/>
+          </a:prstGeom>
+        </p:spPr>
+      </p:pic>
+    </p:spTree>
+    <p:extLst>
+      <p:ext uri="{BB962C8B-B14F-4D97-AF65-F5344CB8AC3E}">
+        <p14:creationId xmlns:p14="http://schemas.microsoft.com/office/powerpoint/2010/main" val="878561411"/>
+      </p:ext>
+    </p:extLst>
+  </p:cSld>
+  <p:clrMapOvr>
+    <a:masterClrMapping/>
+  </p:clrMapOvr>
+  <p:timing>
+    <p:tnLst>
+      <p:par>
+        <p:cTn id="1" dur="indefinite" restart="never" nodeType="tmRoot"/>
+      </p:par>
+    </p:tnLst>
+  </p:timing>
+</p:sld>
+</file>
+
+<file path=ppt/slides/slide14.xml><?xml version="1.0" encoding="utf-8"?>
+<p:sld xmlns:a="http://schemas.openxmlformats.org/drawingml/2006/main" xmlns:r="http://schemas.openxmlformats.org/officeDocument/2006/relationships" xmlns:p="http://schemas.openxmlformats.org/presentationml/2006/main">
+  <p:cSld>
+    <p:spTree>
+      <p:nvGrpSpPr>
+        <p:cNvPr id="1" name=""/>
+        <p:cNvGrpSpPr/>
+        <p:nvPr/>
+      </p:nvGrpSpPr>
+      <p:grpSpPr>
+        <a:xfrm>
+          <a:off x="0" y="0"/>
+          <a:ext cx="0" cy="0"/>
+          <a:chOff x="0" y="0"/>
+          <a:chExt cx="0" cy="0"/>
+        </a:xfrm>
+      </p:grpSpPr>
+      <p:sp>
+        <p:nvSpPr>
+          <p:cNvPr id="2" name="Title 1"/>
+          <p:cNvSpPr>
+            <a:spLocks noGrp="1"/>
+          </p:cNvSpPr>
+          <p:nvPr>
+            <p:ph type="title"/>
+          </p:nvPr>
+        </p:nvSpPr>
+        <p:spPr/>
+        <p:txBody>
+          <a:bodyPr/>
+          <a:lstStyle/>
+          <a:p>
+            <a:r>
+              <a:rPr lang="en-US" b="1" dirty="0"/>
+              <a:t>Mixing Chemical Components to Create a Chemical Solution</a:t>
+            </a:r>
+            <a:endParaRPr lang="en-US" dirty="0"/>
+          </a:p>
+        </p:txBody>
+      </p:sp>
+      <p:sp>
+        <p:nvSpPr>
+          <p:cNvPr id="4" name="Slide Number Placeholder 3"/>
+          <p:cNvSpPr>
+            <a:spLocks noGrp="1"/>
+          </p:cNvSpPr>
+          <p:nvPr>
+            <p:ph type="sldNum" sz="quarter" idx="12"/>
+          </p:nvPr>
+        </p:nvSpPr>
+        <p:spPr/>
+        <p:txBody>
+          <a:bodyPr/>
+          <a:lstStyle/>
+          <a:p>
+            <a:fld id="{6D22F896-40B5-4ADD-8801-0D06FADFA095}" type="slidenum">
+              <a:rPr lang="en-US" smtClean="0"/>
+              <a:t>14</a:t>
+            </a:fld>
+            <a:endParaRPr lang="en-US" dirty="0"/>
+          </a:p>
+        </p:txBody>
+      </p:sp>
+      <p:sp>
+        <p:nvSpPr>
+          <p:cNvPr id="6" name="Content Placeholder 5"/>
+          <p:cNvSpPr>
+            <a:spLocks noGrp="1"/>
+          </p:cNvSpPr>
+          <p:nvPr>
+            <p:ph idx="1"/>
+          </p:nvPr>
+        </p:nvSpPr>
+        <p:spPr/>
+        <p:txBody>
+          <a:bodyPr/>
+          <a:lstStyle/>
+          <a:p>
+            <a:r>
+              <a:rPr lang="en-US" dirty="0" smtClean="0"/>
+              <a:t>Constraints:</a:t>
+            </a:r>
+          </a:p>
+          <a:p>
+            <a:endParaRPr lang="en-US" dirty="0"/>
+          </a:p>
+          <a:p>
+            <a:endParaRPr lang="en-US" dirty="0"/>
+          </a:p>
+        </p:txBody>
+      </p:sp>
+      <p:pic>
+        <p:nvPicPr>
+          <p:cNvPr id="7" name="Picture 6"/>
+          <p:cNvPicPr>
+            <a:picLocks noChangeAspect="1"/>
+          </p:cNvPicPr>
+          <p:nvPr/>
+        </p:nvPicPr>
+        <p:blipFill>
+          <a:blip r:embed="rId2">
+            <a:extLst>
+              <a:ext uri="{28A0092B-C50C-407E-A947-70E740481C1C}">
+                <a14:useLocalDpi xmlns:a14="http://schemas.microsoft.com/office/drawing/2010/main" val="0"/>
+              </a:ext>
+            </a:extLst>
+          </a:blip>
+          <a:stretch>
+            <a:fillRect/>
+          </a:stretch>
+        </p:blipFill>
+        <p:spPr>
+          <a:xfrm>
+            <a:off x="1141412" y="3041174"/>
+            <a:ext cx="3799673" cy="2308066"/>
+          </a:xfrm>
+          <a:prstGeom prst="rect">
+            <a:avLst/>
+          </a:prstGeom>
+        </p:spPr>
+      </p:pic>
+      <p:pic>
+        <p:nvPicPr>
+          <p:cNvPr id="8" name="Picture 7"/>
+          <p:cNvPicPr>
+            <a:picLocks noChangeAspect="1"/>
+          </p:cNvPicPr>
+          <p:nvPr/>
+        </p:nvPicPr>
+        <p:blipFill>
+          <a:blip r:embed="rId3">
+            <a:extLst>
+              <a:ext uri="{28A0092B-C50C-407E-A947-70E740481C1C}">
+                <a14:useLocalDpi xmlns:a14="http://schemas.microsoft.com/office/drawing/2010/main" val="0"/>
+              </a:ext>
+            </a:extLst>
+          </a:blip>
+          <a:stretch>
+            <a:fillRect/>
+          </a:stretch>
+        </p:blipFill>
+        <p:spPr>
+          <a:xfrm>
+            <a:off x="5204224" y="3064828"/>
+            <a:ext cx="5930900" cy="1943100"/>
+          </a:xfrm>
+          <a:prstGeom prst="rect">
+            <a:avLst/>
+          </a:prstGeom>
+        </p:spPr>
+      </p:pic>
+    </p:spTree>
+    <p:extLst>
+      <p:ext uri="{BB962C8B-B14F-4D97-AF65-F5344CB8AC3E}">
+        <p14:creationId xmlns:p14="http://schemas.microsoft.com/office/powerpoint/2010/main" val="1138049937"/>
+      </p:ext>
+    </p:extLst>
+  </p:cSld>
+  <p:clrMapOvr>
+    <a:masterClrMapping/>
+  </p:clrMapOvr>
+  <p:timing>
+    <p:tnLst>
+      <p:par>
+        <p:cTn id="1" dur="indefinite" restart="never" nodeType="tmRoot"/>
+      </p:par>
+    </p:tnLst>
+  </p:timing>
 </p:sld>
 </file>
 
@@ -13141,11 +13744,7 @@
             </a:r>
             <a:r>
               <a:rPr lang="en-US" dirty="0"/>
-              <a:t>→</a:t>
-            </a:r>
-            <a:r>
-              <a:rPr lang="en-US" dirty="0"/>
-              <a:t> </a:t>
+              <a:t>→ </a:t>
             </a:r>
             <a:r>
               <a:rPr lang="en-US" dirty="0" smtClean="0"/>
@@ -13231,15 +13830,7 @@
             </a:r>
             <a:r>
               <a:rPr lang="en-US" sz="2400" dirty="0"/>
-              <a:t> </a:t>
-            </a:r>
-            <a:r>
-              <a:rPr lang="en-US" sz="2400" dirty="0"/>
-              <a:t>= </a:t>
-            </a:r>
-            <a:r>
-              <a:rPr lang="en-US" sz="2400" dirty="0"/>
-              <a:t>x</a:t>
+              <a:t> = x</a:t>
             </a:r>
             <a:r>
               <a:rPr lang="en-US" sz="2400" baseline="-25000" dirty="0"/>
